--- a/docs/use-case.pptx
+++ b/docs/use-case.pptx
@@ -3040,7 +3040,7 @@
           <p:cNvPr id="6" name="Graphic 6">
             <a:extLst>
               <a:ext uri="{FF2B5EF4-FFF2-40B4-BE49-F238E27FC236}">
-                <a16:creationId xmlns:a16="http://schemas.microsoft.com/office/drawing/2014/main" xmlns="" id="{09D9F54A-44C4-9F4F-BBC2-E934D29D02A1}"/>
+                <a16:creationId xmlns="" xmlns:a16="http://schemas.microsoft.com/office/drawing/2014/main" id="{09D9F54A-44C4-9F4F-BBC2-E934D29D02A1}"/>
               </a:ext>
             </a:extLst>
           </p:cNvPr>
@@ -3622,7 +3622,7 @@
           <p:cNvPr id="46" name="Graphic 32">
             <a:extLst>
               <a:ext uri="{FF2B5EF4-FFF2-40B4-BE49-F238E27FC236}">
-                <a16:creationId xmlns:a16="http://schemas.microsoft.com/office/drawing/2014/main" xmlns="" id="{0EFA1B4E-1A2B-B148-9D95-B0200D03E58C}"/>
+                <a16:creationId xmlns="" xmlns:a16="http://schemas.microsoft.com/office/drawing/2014/main" id="{0EFA1B4E-1A2B-B148-9D95-B0200D03E58C}"/>
               </a:ext>
             </a:extLst>
           </p:cNvPr>
@@ -3646,7 +3646,7 @@
         </p:blipFill>
         <p:spPr bwMode="auto">
           <a:xfrm>
-            <a:off x="5076056" y="3642626"/>
+            <a:off x="5085181" y="3691829"/>
             <a:ext cx="393480" cy="465271"/>
           </a:xfrm>
           <a:prstGeom prst="rect">
@@ -3661,15 +3661,7 @@
             <a:headEnd/>
             <a:tailEnd/>
           </a:ln>
-          <a:extLst>
-            <a:ext uri="{909E8E84-426E-40DD-AFC4-6F175D3DCCD1}">
-              <a14:hiddenFill xmlns:a14="http://schemas.microsoft.com/office/drawing/2010/main">
-                <a:solidFill>
-                  <a:srgbClr val="FFFFFF"/>
-                </a:solidFill>
-              </a14:hiddenFill>
-            </a:ext>
-          </a:extLst>
+          <a:extLst/>
         </p:spPr>
       </p:pic>
       <p:cxnSp>
@@ -3946,7 +3938,7 @@
           <p:cNvPr id="82" name="Graphic 34">
             <a:extLst>
               <a:ext uri="{FF2B5EF4-FFF2-40B4-BE49-F238E27FC236}">
-                <a16:creationId xmlns:a16="http://schemas.microsoft.com/office/drawing/2014/main" xmlns="" id="{88A1A335-7587-EC4C-9F7C-F20C55AA6835}"/>
+                <a16:creationId xmlns="" xmlns:a16="http://schemas.microsoft.com/office/drawing/2014/main" id="{88A1A335-7587-EC4C-9F7C-F20C55AA6835}"/>
               </a:ext>
             </a:extLst>
           </p:cNvPr>
@@ -3972,6 +3964,137 @@
           <a:xfrm>
             <a:off x="8065104" y="2811853"/>
             <a:ext cx="450359" cy="450359"/>
+          </a:xfrm>
+          <a:prstGeom prst="rect">
+            <a:avLst/>
+          </a:prstGeom>
+          <a:noFill/>
+          <a:ln>
+            <a:noFill/>
+          </a:ln>
+          <a:extLst>
+            <a:ext uri="{909E8E84-426E-40DD-AFC4-6F175D3DCCD1}">
+              <a14:hiddenFill xmlns:a14="http://schemas.microsoft.com/office/drawing/2010/main">
+                <a:solidFill>
+                  <a:srgbClr val="FFFFFF"/>
+                </a:solidFill>
+              </a14:hiddenFill>
+            </a:ext>
+            <a:ext uri="{91240B29-F687-4F45-9708-019B960494DF}">
+              <a14:hiddenLine xmlns:a14="http://schemas.microsoft.com/office/drawing/2010/main" w="9525">
+                <a:solidFill>
+                  <a:srgbClr val="000000"/>
+                </a:solidFill>
+                <a:miter lim="800000"/>
+                <a:headEnd/>
+                <a:tailEnd/>
+              </a14:hiddenLine>
+            </a:ext>
+          </a:extLst>
+        </p:spPr>
+      </p:pic>
+      <p:sp>
+        <p:nvSpPr>
+          <p:cNvPr id="23" name="Textfeld 22"/>
+          <p:cNvSpPr txBox="1"/>
+          <p:nvPr/>
+        </p:nvSpPr>
+        <p:spPr>
+          <a:xfrm>
+            <a:off x="3519685" y="2910136"/>
+            <a:ext cx="1923925" cy="246221"/>
+          </a:xfrm>
+          <a:prstGeom prst="rect">
+            <a:avLst/>
+          </a:prstGeom>
+          <a:noFill/>
+        </p:spPr>
+        <p:txBody>
+          <a:bodyPr wrap="none" rtlCol="0">
+            <a:spAutoFit/>
+          </a:bodyPr>
+          <a:lstStyle/>
+          <a:p>
+            <a:pPr algn="ctr"/>
+            <a:r>
+              <a:rPr lang="de-DE" sz="1000" dirty="0">
+                <a:solidFill>
+                  <a:srgbClr val="C00000"/>
+                </a:solidFill>
+              </a:rPr>
+              <a:t>a</a:t>
+            </a:r>
+            <a:r>
+              <a:rPr lang="de-DE" sz="1000" dirty="0" smtClean="0">
+                <a:solidFill>
+                  <a:srgbClr val="C00000"/>
+                </a:solidFill>
+              </a:rPr>
+              <a:t>ws-</a:t>
+            </a:r>
+            <a:r>
+              <a:rPr lang="de-DE" sz="1000" dirty="0" err="1" smtClean="0">
+                <a:solidFill>
+                  <a:srgbClr val="C00000"/>
+                </a:solidFill>
+              </a:rPr>
+              <a:t>provisioned</a:t>
+            </a:r>
+            <a:r>
+              <a:rPr lang="de-DE" sz="1000" dirty="0" smtClean="0">
+                <a:solidFill>
+                  <a:srgbClr val="C00000"/>
+                </a:solidFill>
+              </a:rPr>
+              <a:t>-</a:t>
+            </a:r>
+            <a:r>
+              <a:rPr lang="de-DE" sz="1000" dirty="0" err="1" smtClean="0">
+                <a:solidFill>
+                  <a:srgbClr val="C00000"/>
+                </a:solidFill>
+              </a:rPr>
+              <a:t>parameters.json</a:t>
+            </a:r>
+            <a:endParaRPr lang="de-DE" sz="1000" dirty="0">
+              <a:solidFill>
+                <a:srgbClr val="C00000"/>
+              </a:solidFill>
+            </a:endParaRPr>
+          </a:p>
+        </p:txBody>
+      </p:sp>
+      <p:pic>
+        <p:nvPicPr>
+          <p:cNvPr id="24" name="Graphic 49">
+            <a:extLst>
+              <a:ext uri="{FF2B5EF4-FFF2-40B4-BE49-F238E27FC236}">
+                <a16:creationId xmlns:a16="http://schemas.microsoft.com/office/drawing/2014/main" xmlns="" id="{5A8C48C1-32E1-C747-BB4B-5E3B849CF7A7}"/>
+              </a:ext>
+            </a:extLst>
+          </p:cNvPr>
+          <p:cNvPicPr>
+            <a:picLocks noChangeAspect="1" noChangeArrowheads="1"/>
+          </p:cNvPicPr>
+          <p:nvPr/>
+        </p:nvPicPr>
+        <p:blipFill>
+          <a:blip r:embed="rId11" cstate="print">
+            <a:extLst>
+              <a:ext uri="{28A0092B-C50C-407E-A947-70E740481C1C}">
+                <a14:useLocalDpi xmlns:a14="http://schemas.microsoft.com/office/drawing/2010/main" val="0"/>
+              </a:ext>
+            </a:extLst>
+          </a:blip>
+          <a:srcRect/>
+          <a:stretch>
+            <a:fillRect/>
+          </a:stretch>
+        </p:blipFill>
+        <p:spPr bwMode="auto">
+          <a:xfrm>
+            <a:off x="5250061" y="2373710"/>
+            <a:ext cx="457200" cy="457200"/>
           </a:xfrm>
           <a:prstGeom prst="rect">
             <a:avLst/>

--- a/docs/use-case.pptx
+++ b/docs/use-case.pptx
@@ -288,7 +288,7 @@
           <a:p>
             <a:fld id="{1BA50D42-C9CD-4801-B293-61D1F53EC57E}" type="datetimeFigureOut">
               <a:rPr lang="de-DE" smtClean="0"/>
-              <a:t>21.11.2023</a:t>
+              <a:t>22.11.2023</a:t>
             </a:fld>
             <a:endParaRPr lang="de-DE"/>
           </a:p>
@@ -453,7 +453,7 @@
           <a:p>
             <a:fld id="{1BA50D42-C9CD-4801-B293-61D1F53EC57E}" type="datetimeFigureOut">
               <a:rPr lang="de-DE" smtClean="0"/>
-              <a:t>21.11.2023</a:t>
+              <a:t>22.11.2023</a:t>
             </a:fld>
             <a:endParaRPr lang="de-DE"/>
           </a:p>
@@ -628,7 +628,7 @@
           <a:p>
             <a:fld id="{1BA50D42-C9CD-4801-B293-61D1F53EC57E}" type="datetimeFigureOut">
               <a:rPr lang="de-DE" smtClean="0"/>
-              <a:t>21.11.2023</a:t>
+              <a:t>22.11.2023</a:t>
             </a:fld>
             <a:endParaRPr lang="de-DE"/>
           </a:p>
@@ -793,7 +793,7 @@
           <a:p>
             <a:fld id="{1BA50D42-C9CD-4801-B293-61D1F53EC57E}" type="datetimeFigureOut">
               <a:rPr lang="de-DE" smtClean="0"/>
-              <a:t>21.11.2023</a:t>
+              <a:t>22.11.2023</a:t>
             </a:fld>
             <a:endParaRPr lang="de-DE"/>
           </a:p>
@@ -1034,7 +1034,7 @@
           <a:p>
             <a:fld id="{1BA50D42-C9CD-4801-B293-61D1F53EC57E}" type="datetimeFigureOut">
               <a:rPr lang="de-DE" smtClean="0"/>
-              <a:t>21.11.2023</a:t>
+              <a:t>22.11.2023</a:t>
             </a:fld>
             <a:endParaRPr lang="de-DE"/>
           </a:p>
@@ -1317,7 +1317,7 @@
           <a:p>
             <a:fld id="{1BA50D42-C9CD-4801-B293-61D1F53EC57E}" type="datetimeFigureOut">
               <a:rPr lang="de-DE" smtClean="0"/>
-              <a:t>21.11.2023</a:t>
+              <a:t>22.11.2023</a:t>
             </a:fld>
             <a:endParaRPr lang="de-DE"/>
           </a:p>
@@ -1734,7 +1734,7 @@
           <a:p>
             <a:fld id="{1BA50D42-C9CD-4801-B293-61D1F53EC57E}" type="datetimeFigureOut">
               <a:rPr lang="de-DE" smtClean="0"/>
-              <a:t>21.11.2023</a:t>
+              <a:t>22.11.2023</a:t>
             </a:fld>
             <a:endParaRPr lang="de-DE"/>
           </a:p>
@@ -1847,7 +1847,7 @@
           <a:p>
             <a:fld id="{1BA50D42-C9CD-4801-B293-61D1F53EC57E}" type="datetimeFigureOut">
               <a:rPr lang="de-DE" smtClean="0"/>
-              <a:t>21.11.2023</a:t>
+              <a:t>22.11.2023</a:t>
             </a:fld>
             <a:endParaRPr lang="de-DE"/>
           </a:p>
@@ -1937,7 +1937,7 @@
           <a:p>
             <a:fld id="{1BA50D42-C9CD-4801-B293-61D1F53EC57E}" type="datetimeFigureOut">
               <a:rPr lang="de-DE" smtClean="0"/>
-              <a:t>21.11.2023</a:t>
+              <a:t>22.11.2023</a:t>
             </a:fld>
             <a:endParaRPr lang="de-DE"/>
           </a:p>
@@ -2209,7 +2209,7 @@
           <a:p>
             <a:fld id="{1BA50D42-C9CD-4801-B293-61D1F53EC57E}" type="datetimeFigureOut">
               <a:rPr lang="de-DE" smtClean="0"/>
-              <a:t>21.11.2023</a:t>
+              <a:t>22.11.2023</a:t>
             </a:fld>
             <a:endParaRPr lang="de-DE"/>
           </a:p>
@@ -2457,7 +2457,7 @@
           <a:p>
             <a:fld id="{1BA50D42-C9CD-4801-B293-61D1F53EC57E}" type="datetimeFigureOut">
               <a:rPr lang="de-DE" smtClean="0"/>
-              <a:t>21.11.2023</a:t>
+              <a:t>22.11.2023</a:t>
             </a:fld>
             <a:endParaRPr lang="de-DE"/>
           </a:p>
@@ -2665,7 +2665,7 @@
           <a:p>
             <a:fld id="{1BA50D42-C9CD-4801-B293-61D1F53EC57E}" type="datetimeFigureOut">
               <a:rPr lang="de-DE" smtClean="0"/>
-              <a:t>21.11.2023</a:t>
+              <a:t>22.11.2023</a:t>
             </a:fld>
             <a:endParaRPr lang="de-DE"/>
           </a:p>
@@ -3040,7 +3040,7 @@
           <p:cNvPr id="6" name="Graphic 6">
             <a:extLst>
               <a:ext uri="{FF2B5EF4-FFF2-40B4-BE49-F238E27FC236}">
-                <a16:creationId xmlns="" xmlns:a16="http://schemas.microsoft.com/office/drawing/2014/main" id="{09D9F54A-44C4-9F4F-BBC2-E934D29D02A1}"/>
+                <a16:creationId xmlns:a16="http://schemas.microsoft.com/office/drawing/2014/main" xmlns="" id="{09D9F54A-44C4-9F4F-BBC2-E934D29D02A1}"/>
               </a:ext>
             </a:extLst>
           </p:cNvPr>
@@ -3497,7 +3497,7 @@
         </p:nvSpPr>
         <p:spPr>
           <a:xfrm>
-            <a:off x="2804624" y="2286704"/>
+            <a:off x="2822441" y="2855540"/>
             <a:ext cx="461426" cy="448083"/>
           </a:xfrm>
           <a:prstGeom prst="rightArrow">
@@ -3580,14 +3580,20 @@
       </p:pic>
       <p:pic>
         <p:nvPicPr>
-          <p:cNvPr id="1029" name="Picture 5" descr="E:\Snapshots\chrome_E7al5y9Qxd.png"/>
+          <p:cNvPr id="46" name="Graphic 32">
+            <a:extLst>
+              <a:ext uri="{FF2B5EF4-FFF2-40B4-BE49-F238E27FC236}">
+                <a16:creationId xmlns:a16="http://schemas.microsoft.com/office/drawing/2014/main" xmlns="" id="{0EFA1B4E-1A2B-B148-9D95-B0200D03E58C}"/>
+              </a:ext>
+            </a:extLst>
+          </p:cNvPr>
           <p:cNvPicPr>
             <a:picLocks noChangeAspect="1" noChangeArrowheads="1"/>
           </p:cNvPicPr>
           <p:nvPr/>
         </p:nvPicPr>
         <p:blipFill>
-          <a:blip r:embed="rId7">
+          <a:blip r:embed="rId7" cstate="print">
             <a:extLst>
               <a:ext uri="{28A0092B-C50C-407E-A947-70E740481C1C}">
                 <a14:useLocalDpi xmlns:a14="http://schemas.microsoft.com/office/drawing/2010/main" val="0"/>
@@ -3601,52 +3607,7 @@
         </p:blipFill>
         <p:spPr bwMode="auto">
           <a:xfrm>
-            <a:off x="3445251" y="2928212"/>
-            <a:ext cx="2033410" cy="1237169"/>
-          </a:xfrm>
-          <a:prstGeom prst="rect">
-            <a:avLst/>
-          </a:prstGeom>
-          <a:solidFill>
-            <a:schemeClr val="bg1"/>
-          </a:solidFill>
-          <a:ln w="12700">
-            <a:solidFill>
-              <a:srgbClr val="C1196D"/>
-            </a:solidFill>
-          </a:ln>
-        </p:spPr>
-      </p:pic>
-      <p:pic>
-        <p:nvPicPr>
-          <p:cNvPr id="46" name="Graphic 32">
-            <a:extLst>
-              <a:ext uri="{FF2B5EF4-FFF2-40B4-BE49-F238E27FC236}">
-                <a16:creationId xmlns="" xmlns:a16="http://schemas.microsoft.com/office/drawing/2014/main" id="{0EFA1B4E-1A2B-B148-9D95-B0200D03E58C}"/>
-              </a:ext>
-            </a:extLst>
-          </p:cNvPr>
-          <p:cNvPicPr>
-            <a:picLocks noChangeAspect="1" noChangeArrowheads="1"/>
-          </p:cNvPicPr>
-          <p:nvPr/>
-        </p:nvPicPr>
-        <p:blipFill>
-          <a:blip r:embed="rId8" cstate="print">
-            <a:extLst>
-              <a:ext uri="{28A0092B-C50C-407E-A947-70E740481C1C}">
-                <a14:useLocalDpi xmlns:a14="http://schemas.microsoft.com/office/drawing/2010/main" val="0"/>
-              </a:ext>
-            </a:extLst>
-          </a:blip>
-          <a:srcRect/>
-          <a:stretch>
-            <a:fillRect/>
-          </a:stretch>
-        </p:blipFill>
-        <p:spPr bwMode="auto">
-          <a:xfrm>
-            <a:off x="5085181" y="3691829"/>
+            <a:off x="2382127" y="2855540"/>
             <a:ext cx="393480" cy="465271"/>
           </a:xfrm>
           <a:prstGeom prst="rect">
@@ -3664,46 +3625,6 @@
           <a:extLst/>
         </p:spPr>
       </p:pic>
-      <p:cxnSp>
-        <p:nvCxnSpPr>
-          <p:cNvPr id="49" name="Gekrümmte Verbindung 48"/>
-          <p:cNvCxnSpPr>
-            <a:endCxn id="1029" idx="1"/>
-          </p:cNvCxnSpPr>
-          <p:nvPr/>
-        </p:nvCxnSpPr>
-        <p:spPr>
-          <a:xfrm>
-            <a:off x="1979712" y="3094582"/>
-            <a:ext cx="1465539" cy="452215"/>
-          </a:xfrm>
-          <a:prstGeom prst="curvedConnector3">
-            <a:avLst>
-              <a:gd name="adj1" fmla="val 50000"/>
-            </a:avLst>
-          </a:prstGeom>
-          <a:ln w="25400">
-            <a:solidFill>
-              <a:srgbClr val="C1196D"/>
-            </a:solidFill>
-            <a:tailEnd type="arrow"/>
-          </a:ln>
-        </p:spPr>
-        <p:style>
-          <a:lnRef idx="1">
-            <a:schemeClr val="accent1"/>
-          </a:lnRef>
-          <a:fillRef idx="0">
-            <a:schemeClr val="accent1"/>
-          </a:fillRef>
-          <a:effectRef idx="0">
-            <a:schemeClr val="accent1"/>
-          </a:effectRef>
-          <a:fontRef idx="minor">
-            <a:schemeClr val="tx1"/>
-          </a:fontRef>
-        </p:style>
-      </p:cxnSp>
       <p:sp>
         <p:nvSpPr>
           <p:cNvPr id="67" name="Textfeld 66"/>
@@ -3712,8 +3633,8 @@
         </p:nvSpPr>
         <p:spPr>
           <a:xfrm>
-            <a:off x="5580112" y="3387223"/>
-            <a:ext cx="2069349" cy="646331"/>
+            <a:off x="5473289" y="3356992"/>
+            <a:ext cx="886653" cy="369332"/>
           </a:xfrm>
           <a:prstGeom prst="rect">
             <a:avLst/>
@@ -3728,25 +3649,14 @@
           <a:p>
             <a:pPr algn="ctr"/>
             <a:r>
-              <a:rPr lang="de-DE" dirty="0" smtClean="0">
+              <a:rPr lang="de-DE" b="1" dirty="0" smtClean="0">
                 <a:solidFill>
                   <a:srgbClr val="C00000"/>
                 </a:solidFill>
               </a:rPr>
-              <a:t>Updates your</a:t>
-            </a:r>
-          </a:p>
-          <a:p>
-            <a:pPr algn="ctr"/>
-            <a:r>
-              <a:rPr lang="de-DE" dirty="0" smtClean="0">
-                <a:solidFill>
-                  <a:srgbClr val="C00000"/>
-                </a:solidFill>
-              </a:rPr>
-              <a:t>Provisioned Product</a:t>
-            </a:r>
-            <a:endParaRPr lang="de-DE" dirty="0">
+              <a:t>Update</a:t>
+            </a:r>
+            <a:endParaRPr lang="de-DE" b="1" dirty="0">
               <a:solidFill>
                 <a:srgbClr val="C00000"/>
               </a:solidFill>
@@ -3762,7 +3672,7 @@
         </p:nvSpPr>
         <p:spPr>
           <a:xfrm>
-            <a:off x="5761162" y="2286704"/>
+            <a:off x="5763231" y="2855539"/>
             <a:ext cx="461426" cy="448083"/>
           </a:xfrm>
           <a:prstGeom prst="rightArrow">
@@ -3811,7 +3721,7 @@
           <p:nvPr/>
         </p:nvPicPr>
         <p:blipFill>
-          <a:blip r:embed="rId9" cstate="print">
+          <a:blip r:embed="rId8" cstate="print">
             <a:extLst>
               <a:ext uri="{28A0092B-C50C-407E-A947-70E740481C1C}">
                 <a14:useLocalDpi xmlns:a14="http://schemas.microsoft.com/office/drawing/2010/main" val="0"/>
@@ -3843,46 +3753,6 @@
           </a:extLst>
         </p:spPr>
       </p:pic>
-      <p:cxnSp>
-        <p:nvCxnSpPr>
-          <p:cNvPr id="78" name="Gekrümmte Verbindung 77"/>
-          <p:cNvCxnSpPr>
-            <a:stCxn id="1029" idx="3"/>
-          </p:cNvCxnSpPr>
-          <p:nvPr/>
-        </p:nvCxnSpPr>
-        <p:spPr>
-          <a:xfrm flipV="1">
-            <a:off x="5478661" y="3094582"/>
-            <a:ext cx="1243579" cy="452215"/>
-          </a:xfrm>
-          <a:prstGeom prst="curvedConnector3">
-            <a:avLst>
-              <a:gd name="adj1" fmla="val 50000"/>
-            </a:avLst>
-          </a:prstGeom>
-          <a:ln w="25400">
-            <a:solidFill>
-              <a:srgbClr val="C1196D"/>
-            </a:solidFill>
-            <a:tailEnd type="arrow"/>
-          </a:ln>
-        </p:spPr>
-        <p:style>
-          <a:lnRef idx="1">
-            <a:schemeClr val="accent1"/>
-          </a:lnRef>
-          <a:fillRef idx="0">
-            <a:schemeClr val="accent1"/>
-          </a:fillRef>
-          <a:effectRef idx="0">
-            <a:schemeClr val="accent1"/>
-          </a:effectRef>
-          <a:fontRef idx="minor">
-            <a:schemeClr val="tx1"/>
-          </a:fontRef>
-        </p:style>
-      </p:cxnSp>
       <p:sp>
         <p:nvSpPr>
           <p:cNvPr id="81" name="Textfeld 80"/>
@@ -3891,8 +3761,8 @@
         </p:nvSpPr>
         <p:spPr>
           <a:xfrm>
-            <a:off x="1897836" y="3465390"/>
-            <a:ext cx="1066427" cy="489998"/>
+            <a:off x="2555776" y="3356992"/>
+            <a:ext cx="941284" cy="369332"/>
           </a:xfrm>
           <a:prstGeom prst="rect">
             <a:avLst/>
@@ -3907,25 +3777,14 @@
           <a:p>
             <a:pPr algn="ctr"/>
             <a:r>
-              <a:rPr lang="de-DE" dirty="0" smtClean="0">
+              <a:rPr lang="de-DE" b="1" dirty="0" smtClean="0">
                 <a:solidFill>
                   <a:srgbClr val="C00000"/>
                 </a:solidFill>
               </a:rPr>
-              <a:t>Commit your</a:t>
-            </a:r>
-          </a:p>
-          <a:p>
-            <a:pPr algn="ctr"/>
-            <a:r>
-              <a:rPr lang="de-DE" dirty="0" smtClean="0">
-                <a:solidFill>
-                  <a:srgbClr val="C00000"/>
-                </a:solidFill>
-              </a:rPr>
-              <a:t>Parameters</a:t>
-            </a:r>
-            <a:endParaRPr lang="de-DE" dirty="0">
+              <a:t>Commit</a:t>
+            </a:r>
+            <a:endParaRPr lang="de-DE" b="1" dirty="0">
               <a:solidFill>
                 <a:srgbClr val="C00000"/>
               </a:solidFill>
@@ -3938,7 +3797,7 @@
           <p:cNvPr id="82" name="Graphic 34">
             <a:extLst>
               <a:ext uri="{FF2B5EF4-FFF2-40B4-BE49-F238E27FC236}">
-                <a16:creationId xmlns="" xmlns:a16="http://schemas.microsoft.com/office/drawing/2014/main" id="{88A1A335-7587-EC4C-9F7C-F20C55AA6835}"/>
+                <a16:creationId xmlns:a16="http://schemas.microsoft.com/office/drawing/2014/main" xmlns="" id="{88A1A335-7587-EC4C-9F7C-F20C55AA6835}"/>
               </a:ext>
             </a:extLst>
           </p:cNvPr>
@@ -3948,7 +3807,7 @@
           <p:nvPr/>
         </p:nvPicPr>
         <p:blipFill>
-          <a:blip r:embed="rId10" cstate="print">
+          <a:blip r:embed="rId9" cstate="print">
             <a:extLst>
               <a:ext uri="{28A0092B-C50C-407E-A947-70E740481C1C}">
                 <a14:useLocalDpi xmlns:a14="http://schemas.microsoft.com/office/drawing/2010/main" val="0"/>
@@ -3993,83 +3852,12 @@
           </a:extLst>
         </p:spPr>
       </p:pic>
-      <p:sp>
-        <p:nvSpPr>
-          <p:cNvPr id="23" name="Textfeld 22"/>
-          <p:cNvSpPr txBox="1"/>
-          <p:nvPr/>
-        </p:nvSpPr>
-        <p:spPr>
-          <a:xfrm>
-            <a:off x="3519685" y="2910136"/>
-            <a:ext cx="1923925" cy="246221"/>
-          </a:xfrm>
-          <a:prstGeom prst="rect">
-            <a:avLst/>
-          </a:prstGeom>
-          <a:noFill/>
-        </p:spPr>
-        <p:txBody>
-          <a:bodyPr wrap="none" rtlCol="0">
-            <a:spAutoFit/>
-          </a:bodyPr>
-          <a:lstStyle/>
-          <a:p>
-            <a:pPr algn="ctr"/>
-            <a:r>
-              <a:rPr lang="de-DE" sz="1000" dirty="0">
-                <a:solidFill>
-                  <a:srgbClr val="C00000"/>
-                </a:solidFill>
-              </a:rPr>
-              <a:t>a</a:t>
-            </a:r>
-            <a:r>
-              <a:rPr lang="de-DE" sz="1000" dirty="0" smtClean="0">
-                <a:solidFill>
-                  <a:srgbClr val="C00000"/>
-                </a:solidFill>
-              </a:rPr>
-              <a:t>ws-</a:t>
-            </a:r>
-            <a:r>
-              <a:rPr lang="de-DE" sz="1000" dirty="0" err="1" smtClean="0">
-                <a:solidFill>
-                  <a:srgbClr val="C00000"/>
-                </a:solidFill>
-              </a:rPr>
-              <a:t>provisioned</a:t>
-            </a:r>
-            <a:r>
-              <a:rPr lang="de-DE" sz="1000" dirty="0" smtClean="0">
-                <a:solidFill>
-                  <a:srgbClr val="C00000"/>
-                </a:solidFill>
-              </a:rPr>
-              <a:t>-</a:t>
-            </a:r>
-            <a:r>
-              <a:rPr lang="de-DE" sz="1000" dirty="0" err="1" smtClean="0">
-                <a:solidFill>
-                  <a:srgbClr val="C00000"/>
-                </a:solidFill>
-              </a:rPr>
-              <a:t>parameters.json</a:t>
-            </a:r>
-            <a:endParaRPr lang="de-DE" sz="1000" dirty="0">
-              <a:solidFill>
-                <a:srgbClr val="C00000"/>
-              </a:solidFill>
-            </a:endParaRPr>
-          </a:p>
-        </p:txBody>
-      </p:sp>
       <p:pic>
         <p:nvPicPr>
           <p:cNvPr id="24" name="Graphic 49">
             <a:extLst>
               <a:ext uri="{FF2B5EF4-FFF2-40B4-BE49-F238E27FC236}">
-                <a16:creationId xmlns:a16="http://schemas.microsoft.com/office/drawing/2014/main" xmlns="" id="{5A8C48C1-32E1-C747-BB4B-5E3B849CF7A7}"/>
+                <a16:creationId xmlns="" xmlns:a16="http://schemas.microsoft.com/office/drawing/2014/main" id="{5A8C48C1-32E1-C747-BB4B-5E3B849CF7A7}"/>
               </a:ext>
             </a:extLst>
           </p:cNvPr>
@@ -4079,7 +3867,7 @@
           <p:nvPr/>
         </p:nvPicPr>
         <p:blipFill>
-          <a:blip r:embed="rId11" cstate="print">
+          <a:blip r:embed="rId10" cstate="print">
             <a:extLst>
               <a:ext uri="{28A0092B-C50C-407E-A947-70E740481C1C}">
                 <a14:useLocalDpi xmlns:a14="http://schemas.microsoft.com/office/drawing/2010/main" val="0"/>
@@ -4093,7 +3881,7 @@
         </p:blipFill>
         <p:spPr bwMode="auto">
           <a:xfrm>
-            <a:off x="5250061" y="2373710"/>
+            <a:off x="5220072" y="2830910"/>
             <a:ext cx="457200" cy="457200"/>
           </a:xfrm>
           <a:prstGeom prst="rect">
